--- a/Assets/KaylaStrong/Menu.pptx
+++ b/Assets/KaylaStrong/Menu.pptx
@@ -11061,7 +11061,7 @@
         </p:nvSpPr>
         <p:spPr>
           <a:xfrm>
-            <a:off x="464428" y="5442460"/>
+            <a:off x="587715" y="5624293"/>
             <a:ext cx="4866970" cy="1754282"/>
           </a:xfrm>
           <a:prstGeom prst="rect">
@@ -11426,7 +11426,7 @@
         </p:nvSpPr>
         <p:spPr>
           <a:xfrm>
-            <a:off x="12941550" y="7042811"/>
+            <a:off x="12941550" y="7119011"/>
             <a:ext cx="4737825" cy="2123614"/>
           </a:xfrm>
           <a:prstGeom prst="rect">
